--- a/ppt/6.route.pptx
+++ b/ppt/6.route.pptx
@@ -16438,11 +16438,15 @@
               <a:rPr lang="en-US" sz="2200" dirty="0"/>
             </a:br>
             <a:br>
+              <a:rPr lang="en-US" sz="2200"/>
+            </a:br>
+            <a:r>
+              <a:rPr lang="en-US" sz="2200"/>
+              <a:t>If </a:t>
+            </a:r>
+            <a:r>
               <a:rPr lang="en-US" sz="2200" dirty="0"/>
-            </a:br>
-            <a:r>
-              <a:rPr lang="en-US" sz="2200" dirty="0"/>
-              <a:t>Sometimes if initialization not happened </a:t>
+              <a:t>initialization not happened </a:t>
             </a:r>
             <a:r>
               <a:rPr lang="en-US" sz="2200" dirty="0" err="1"/>
@@ -17465,6 +17469,23 @@
 </file>
 
 <file path=customXml/item1.xml><?xml version="1.0" encoding="utf-8"?>
+<p:properties xmlns:p="http://schemas.microsoft.com/office/2006/metadata/properties" xmlns:xsi="http://www.w3.org/2001/XMLSchema-instance" xmlns:pc="http://schemas.microsoft.com/office/infopath/2007/PartnerControls">
+  <documentManagement>
+    <MediaServiceKeyPoints xmlns="71af3243-3dd4-4a8d-8c0d-dd76da1f02a5" xsi:nil="true"/>
+  </documentManagement>
+</p:properties>
+</file>
+
+<file path=customXml/item2.xml><?xml version="1.0" encoding="utf-8"?>
+<?mso-contentType ?>
+<FormTemplates xmlns="http://schemas.microsoft.com/sharepoint/v3/contenttype/forms">
+  <Display>DocumentLibraryForm</Display>
+  <Edit>DocumentLibraryForm</Edit>
+  <New>DocumentLibraryForm</New>
+</FormTemplates>
+</file>
+
+<file path=customXml/item3.xml><?xml version="1.0" encoding="utf-8"?>
 <ct:contentTypeSchema xmlns:ct="http://schemas.microsoft.com/office/2006/metadata/contentType" xmlns:ma="http://schemas.microsoft.com/office/2006/metadata/properties/metaAttributes" ct:_="" ma:_="" ma:contentTypeName="Document" ma:contentTypeID="0x01010079F111ED35F8CC479449609E8A0923A6" ma:contentTypeVersion="11" ma:contentTypeDescription="Create a new document." ma:contentTypeScope="" ma:versionID="96291512c1ee715ab617f4c07df79fc1">
   <xsd:schema xmlns:xsd="http://www.w3.org/2001/XMLSchema" xmlns:xs="http://www.w3.org/2001/XMLSchema" xmlns:p="http://schemas.microsoft.com/office/2006/metadata/properties" xmlns:ns2="71af3243-3dd4-4a8d-8c0d-dd76da1f02a5" xmlns:ns3="16c05727-aa75-4e4a-9b5f-8a80a1165891" targetNamespace="http://schemas.microsoft.com/office/2006/metadata/properties" ma:root="true" ma:fieldsID="8256c27c40ca5c40ce1cf6c44f0205df" ns2:_="" ns3:_="">
     <xsd:import namespace="71af3243-3dd4-4a8d-8c0d-dd76da1f02a5"/>
@@ -17675,24 +17696,25 @@
 </ct:contentTypeSchema>
 </file>
 
-<file path=customXml/item2.xml><?xml version="1.0" encoding="utf-8"?>
-<?mso-contentType ?>
-<FormTemplates xmlns="http://schemas.microsoft.com/sharepoint/v3/contenttype/forms">
-  <Display>DocumentLibraryForm</Display>
-  <Edit>DocumentLibraryForm</Edit>
-  <New>DocumentLibraryForm</New>
-</FormTemplates>
+<file path=customXml/itemProps1.xml><?xml version="1.0" encoding="utf-8"?>
+<ds:datastoreItem xmlns:ds="http://schemas.openxmlformats.org/officeDocument/2006/customXml" ds:itemID="{FCF1D2AC-2735-457E-B639-07E13F9A629B}">
+  <ds:schemaRefs>
+    <ds:schemaRef ds:uri="http://schemas.microsoft.com/office/2006/metadata/properties"/>
+    <ds:schemaRef ds:uri="http://schemas.microsoft.com/office/infopath/2007/PartnerControls"/>
+    <ds:schemaRef ds:uri="71af3243-3dd4-4a8d-8c0d-dd76da1f02a5"/>
+  </ds:schemaRefs>
+</ds:datastoreItem>
 </file>
 
-<file path=customXml/item3.xml><?xml version="1.0" encoding="utf-8"?>
-<p:properties xmlns:p="http://schemas.microsoft.com/office/2006/metadata/properties" xmlns:xsi="http://www.w3.org/2001/XMLSchema-instance" xmlns:pc="http://schemas.microsoft.com/office/infopath/2007/PartnerControls">
-  <documentManagement>
-    <MediaServiceKeyPoints xmlns="71af3243-3dd4-4a8d-8c0d-dd76da1f02a5" xsi:nil="true"/>
-  </documentManagement>
-</p:properties>
+<file path=customXml/itemProps2.xml><?xml version="1.0" encoding="utf-8"?>
+<ds:datastoreItem xmlns:ds="http://schemas.openxmlformats.org/officeDocument/2006/customXml" ds:itemID="{B12AB9FA-5EE8-4111-B873-E09ACA2BC395}">
+  <ds:schemaRefs>
+    <ds:schemaRef ds:uri="http://schemas.microsoft.com/sharepoint/v3/contenttype/forms"/>
+  </ds:schemaRefs>
+</ds:datastoreItem>
 </file>
 
-<file path=customXml/itemProps1.xml><?xml version="1.0" encoding="utf-8"?>
+<file path=customXml/itemProps3.xml><?xml version="1.0" encoding="utf-8"?>
 <ds:datastoreItem xmlns:ds="http://schemas.openxmlformats.org/officeDocument/2006/customXml" ds:itemID="{B18699A2-1304-4DB0-887E-96D5B0474647}">
   <ds:schemaRefs>
     <ds:schemaRef ds:uri="http://schemas.microsoft.com/office/2006/metadata/contentType"/>
@@ -17709,22 +17731,4 @@
     <ds:schemaRef ds:uri="http://schemas.microsoft.com/internal/obd"/>
   </ds:schemaRefs>
 </ds:datastoreItem>
-</file>
-
-<file path=customXml/itemProps2.xml><?xml version="1.0" encoding="utf-8"?>
-<ds:datastoreItem xmlns:ds="http://schemas.openxmlformats.org/officeDocument/2006/customXml" ds:itemID="{B12AB9FA-5EE8-4111-B873-E09ACA2BC395}">
-  <ds:schemaRefs>
-    <ds:schemaRef ds:uri="http://schemas.microsoft.com/sharepoint/v3/contenttype/forms"/>
-  </ds:schemaRefs>
-</ds:datastoreItem>
-</file>
-
-<file path=customXml/itemProps3.xml><?xml version="1.0" encoding="utf-8"?>
-<ds:datastoreItem xmlns:ds="http://schemas.openxmlformats.org/officeDocument/2006/customXml" ds:itemID="{FCF1D2AC-2735-457E-B639-07E13F9A629B}">
-  <ds:schemaRefs>
-    <ds:schemaRef ds:uri="http://schemas.microsoft.com/office/2006/metadata/properties"/>
-    <ds:schemaRef ds:uri="http://schemas.microsoft.com/office/infopath/2007/PartnerControls"/>
-    <ds:schemaRef ds:uri="71af3243-3dd4-4a8d-8c0d-dd76da1f02a5"/>
-  </ds:schemaRefs>
-</ds:datastoreItem>
 </file>
--- a/ppt/6.route.pptx
+++ b/ppt/6.route.pptx
@@ -5,10 +5,10 @@
     <p:sldMasterId id="2147483660" r:id="rId4"/>
   </p:sldMasterIdLst>
   <p:notesMasterIdLst>
-    <p:notesMasterId r:id="rId13"/>
+    <p:notesMasterId r:id="rId15"/>
   </p:notesMasterIdLst>
   <p:handoutMasterIdLst>
-    <p:handoutMasterId r:id="rId14"/>
+    <p:handoutMasterId r:id="rId16"/>
   </p:handoutMasterIdLst>
   <p:sldIdLst>
     <p:sldId id="256" r:id="rId5"/>
@@ -19,6 +19,8 @@
     <p:sldId id="280" r:id="rId10"/>
     <p:sldId id="281" r:id="rId11"/>
     <p:sldId id="282" r:id="rId12"/>
+    <p:sldId id="283" r:id="rId13"/>
+    <p:sldId id="284" r:id="rId14"/>
   </p:sldIdLst>
   <p:sldSz cx="12192000" cy="6858000"/>
   <p:notesSz cx="6858000" cy="9144000"/>
@@ -1755,6 +1757,318 @@
     <p:extLst>
       <p:ext uri="{BB962C8B-B14F-4D97-AF65-F5344CB8AC3E}">
         <p14:creationId xmlns:p14="http://schemas.microsoft.com/office/powerpoint/2010/main" val="1944873383"/>
+      </p:ext>
+    </p:extLst>
+  </p:cSld>
+  <p:clrMapOvr>
+    <a:masterClrMapping/>
+  </p:clrMapOvr>
+</p:notes>
+</file>
+
+<file path=ppt/notesSlides/notesSlide8.xml><?xml version="1.0" encoding="utf-8"?>
+<p:notes xmlns:a="http://schemas.openxmlformats.org/drawingml/2006/main" xmlns:r="http://schemas.openxmlformats.org/officeDocument/2006/relationships" xmlns:p="http://schemas.openxmlformats.org/presentationml/2006/main">
+  <p:cSld>
+    <p:spTree>
+      <p:nvGrpSpPr>
+        <p:cNvPr id="1" name=""/>
+        <p:cNvGrpSpPr/>
+        <p:nvPr/>
+      </p:nvGrpSpPr>
+      <p:grpSpPr>
+        <a:xfrm>
+          <a:off x="0" y="0"/>
+          <a:ext cx="0" cy="0"/>
+          <a:chOff x="0" y="0"/>
+          <a:chExt cx="0" cy="0"/>
+        </a:xfrm>
+      </p:grpSpPr>
+      <p:sp>
+        <p:nvSpPr>
+          <p:cNvPr id="2" name="Slide Image Placeholder 1"/>
+          <p:cNvSpPr>
+            <a:spLocks noGrp="1" noRot="1" noChangeAspect="1"/>
+          </p:cNvSpPr>
+          <p:nvPr>
+            <p:ph type="sldImg"/>
+          </p:nvPr>
+        </p:nvSpPr>
+        <p:spPr/>
+      </p:sp>
+      <p:sp>
+        <p:nvSpPr>
+          <p:cNvPr id="3" name="Notes Placeholder 2"/>
+          <p:cNvSpPr>
+            <a:spLocks noGrp="1"/>
+          </p:cNvSpPr>
+          <p:nvPr>
+            <p:ph type="body" idx="1"/>
+          </p:nvPr>
+        </p:nvSpPr>
+        <p:spPr/>
+        <p:txBody>
+          <a:bodyPr/>
+          <a:lstStyle/>
+          <a:p>
+            <a:r>
+              <a:rPr lang="en-US" b="1" dirty="0"/>
+              <a:t>Notes to presenter: </a:t>
+            </a:r>
+          </a:p>
+          <a:p>
+            <a:r>
+              <a:rPr lang="en-US" b="0" i="1" dirty="0">
+                <a:latin typeface="Segoe UI" panose="020B0502040204020203" pitchFamily="34" charset="0"/>
+                <a:cs typeface="Segoe UI" panose="020B0502040204020203" pitchFamily="34" charset="0"/>
+              </a:rPr>
+              <a:t>Description of what you learned in your own words on one side.</a:t>
+            </a:r>
+          </a:p>
+          <a:p>
+            <a:pPr marL="171450" indent="-171450">
+              <a:buFont typeface="Arial" panose="020B0604020202020204" pitchFamily="34" charset="0"/>
+              <a:buChar char="•"/>
+            </a:pPr>
+            <a:r>
+              <a:rPr lang="en-US" b="0" i="1" dirty="0">
+                <a:latin typeface="Segoe UI" panose="020B0502040204020203" pitchFamily="34" charset="0"/>
+                <a:cs typeface="Segoe UI" panose="020B0502040204020203" pitchFamily="34" charset="0"/>
+              </a:rPr>
+              <a:t>Include information about the topic </a:t>
+            </a:r>
+          </a:p>
+          <a:p>
+            <a:pPr marL="171450" indent="-171450">
+              <a:buFont typeface="Arial" panose="020B0604020202020204" pitchFamily="34" charset="0"/>
+              <a:buChar char="•"/>
+            </a:pPr>
+            <a:r>
+              <a:rPr lang="en-US" b="0" i="1" dirty="0">
+                <a:latin typeface="Segoe UI" panose="020B0502040204020203" pitchFamily="34" charset="0"/>
+                <a:cs typeface="Segoe UI" panose="020B0502040204020203" pitchFamily="34" charset="0"/>
+              </a:rPr>
+              <a:t>Details about the topic will also be helpful here.  </a:t>
+            </a:r>
+          </a:p>
+          <a:p>
+            <a:pPr marL="171450" indent="-171450">
+              <a:buFont typeface="Arial" panose="020B0604020202020204" pitchFamily="34" charset="0"/>
+              <a:buChar char="•"/>
+            </a:pPr>
+            <a:r>
+              <a:rPr lang="en-US" b="0" i="1" dirty="0">
+                <a:latin typeface="Segoe UI" panose="020B0502040204020203" pitchFamily="34" charset="0"/>
+                <a:cs typeface="Segoe UI" panose="020B0502040204020203" pitchFamily="34" charset="0"/>
+              </a:rPr>
+              <a:t>Tell the story of your learning experience.  Just like a story there should always be a beginning, middle and an end.</a:t>
+            </a:r>
+          </a:p>
+          <a:p>
+            <a:r>
+              <a:rPr lang="en-US" b="0" i="1" dirty="0">
+                <a:latin typeface="Segoe UI" panose="020B0502040204020203" pitchFamily="34" charset="0"/>
+                <a:cs typeface="Segoe UI" panose="020B0502040204020203" pitchFamily="34" charset="0"/>
+              </a:rPr>
+              <a:t>On the other side, you can add a graphic that provides evidence of what you learned.</a:t>
+            </a:r>
+          </a:p>
+          <a:p>
+            <a:endParaRPr lang="en-US" dirty="0"/>
+          </a:p>
+          <a:p>
+            <a:r>
+              <a:rPr lang="en-US" dirty="0"/>
+              <a:t>Feel free to use more than one slide to reflect upon your process.  It also helps to add some video of your process.</a:t>
+            </a:r>
+          </a:p>
+          <a:p>
+            <a:endParaRPr lang="en-US" dirty="0"/>
+          </a:p>
+        </p:txBody>
+      </p:sp>
+      <p:sp>
+        <p:nvSpPr>
+          <p:cNvPr id="4" name="Slide Number Placeholder 3"/>
+          <p:cNvSpPr>
+            <a:spLocks noGrp="1"/>
+          </p:cNvSpPr>
+          <p:nvPr>
+            <p:ph type="sldNum" sz="quarter" idx="10"/>
+          </p:nvPr>
+        </p:nvSpPr>
+        <p:spPr/>
+        <p:txBody>
+          <a:bodyPr/>
+          <a:lstStyle/>
+          <a:p>
+            <a:fld id="{D5D79418-37EB-4378-AD22-89DBB000B0DA}" type="slidenum">
+              <a:rPr lang="en-US" smtClean="0"/>
+              <a:t>9</a:t>
+            </a:fld>
+            <a:endParaRPr lang="en-US" dirty="0"/>
+          </a:p>
+        </p:txBody>
+      </p:sp>
+    </p:spTree>
+    <p:extLst>
+      <p:ext uri="{BB962C8B-B14F-4D97-AF65-F5344CB8AC3E}">
+        <p14:creationId xmlns:p14="http://schemas.microsoft.com/office/powerpoint/2010/main" val="358492037"/>
+      </p:ext>
+    </p:extLst>
+  </p:cSld>
+  <p:clrMapOvr>
+    <a:masterClrMapping/>
+  </p:clrMapOvr>
+</p:notes>
+</file>
+
+<file path=ppt/notesSlides/notesSlide9.xml><?xml version="1.0" encoding="utf-8"?>
+<p:notes xmlns:a="http://schemas.openxmlformats.org/drawingml/2006/main" xmlns:r="http://schemas.openxmlformats.org/officeDocument/2006/relationships" xmlns:p="http://schemas.openxmlformats.org/presentationml/2006/main">
+  <p:cSld>
+    <p:spTree>
+      <p:nvGrpSpPr>
+        <p:cNvPr id="1" name=""/>
+        <p:cNvGrpSpPr/>
+        <p:nvPr/>
+      </p:nvGrpSpPr>
+      <p:grpSpPr>
+        <a:xfrm>
+          <a:off x="0" y="0"/>
+          <a:ext cx="0" cy="0"/>
+          <a:chOff x="0" y="0"/>
+          <a:chExt cx="0" cy="0"/>
+        </a:xfrm>
+      </p:grpSpPr>
+      <p:sp>
+        <p:nvSpPr>
+          <p:cNvPr id="2" name="Slide Image Placeholder 1"/>
+          <p:cNvSpPr>
+            <a:spLocks noGrp="1" noRot="1" noChangeAspect="1"/>
+          </p:cNvSpPr>
+          <p:nvPr>
+            <p:ph type="sldImg"/>
+          </p:nvPr>
+        </p:nvSpPr>
+        <p:spPr/>
+      </p:sp>
+      <p:sp>
+        <p:nvSpPr>
+          <p:cNvPr id="3" name="Notes Placeholder 2"/>
+          <p:cNvSpPr>
+            <a:spLocks noGrp="1"/>
+          </p:cNvSpPr>
+          <p:nvPr>
+            <p:ph type="body" idx="1"/>
+          </p:nvPr>
+        </p:nvSpPr>
+        <p:spPr/>
+        <p:txBody>
+          <a:bodyPr/>
+          <a:lstStyle/>
+          <a:p>
+            <a:r>
+              <a:rPr lang="en-US" b="1" dirty="0"/>
+              <a:t>Notes to presenter: </a:t>
+            </a:r>
+          </a:p>
+          <a:p>
+            <a:r>
+              <a:rPr lang="en-US" b="0" i="1" dirty="0">
+                <a:latin typeface="Segoe UI" panose="020B0502040204020203" pitchFamily="34" charset="0"/>
+                <a:cs typeface="Segoe UI" panose="020B0502040204020203" pitchFamily="34" charset="0"/>
+              </a:rPr>
+              <a:t>Description of what you learned in your own words on one side.</a:t>
+            </a:r>
+          </a:p>
+          <a:p>
+            <a:pPr marL="171450" indent="-171450">
+              <a:buFont typeface="Arial" panose="020B0604020202020204" pitchFamily="34" charset="0"/>
+              <a:buChar char="•"/>
+            </a:pPr>
+            <a:r>
+              <a:rPr lang="en-US" b="0" i="1" dirty="0">
+                <a:latin typeface="Segoe UI" panose="020B0502040204020203" pitchFamily="34" charset="0"/>
+                <a:cs typeface="Segoe UI" panose="020B0502040204020203" pitchFamily="34" charset="0"/>
+              </a:rPr>
+              <a:t>Include information about the topic </a:t>
+            </a:r>
+          </a:p>
+          <a:p>
+            <a:pPr marL="171450" indent="-171450">
+              <a:buFont typeface="Arial" panose="020B0604020202020204" pitchFamily="34" charset="0"/>
+              <a:buChar char="•"/>
+            </a:pPr>
+            <a:r>
+              <a:rPr lang="en-US" b="0" i="1" dirty="0">
+                <a:latin typeface="Segoe UI" panose="020B0502040204020203" pitchFamily="34" charset="0"/>
+                <a:cs typeface="Segoe UI" panose="020B0502040204020203" pitchFamily="34" charset="0"/>
+              </a:rPr>
+              <a:t>Details about the topic will also be helpful here.  </a:t>
+            </a:r>
+          </a:p>
+          <a:p>
+            <a:pPr marL="171450" indent="-171450">
+              <a:buFont typeface="Arial" panose="020B0604020202020204" pitchFamily="34" charset="0"/>
+              <a:buChar char="•"/>
+            </a:pPr>
+            <a:r>
+              <a:rPr lang="en-US" b="0" i="1" dirty="0">
+                <a:latin typeface="Segoe UI" panose="020B0502040204020203" pitchFamily="34" charset="0"/>
+                <a:cs typeface="Segoe UI" panose="020B0502040204020203" pitchFamily="34" charset="0"/>
+              </a:rPr>
+              <a:t>Tell the story of your learning experience.  Just like a story there should always be a beginning, middle and an end.</a:t>
+            </a:r>
+          </a:p>
+          <a:p>
+            <a:r>
+              <a:rPr lang="en-US" b="0" i="1" dirty="0">
+                <a:latin typeface="Segoe UI" panose="020B0502040204020203" pitchFamily="34" charset="0"/>
+                <a:cs typeface="Segoe UI" panose="020B0502040204020203" pitchFamily="34" charset="0"/>
+              </a:rPr>
+              <a:t>On the other side, you can add a graphic that provides evidence of what you learned.</a:t>
+            </a:r>
+          </a:p>
+          <a:p>
+            <a:endParaRPr lang="en-US" dirty="0"/>
+          </a:p>
+          <a:p>
+            <a:r>
+              <a:rPr lang="en-US" dirty="0"/>
+              <a:t>Feel free to use more than one slide to reflect upon your process.  It also helps to add some video of your process.</a:t>
+            </a:r>
+          </a:p>
+          <a:p>
+            <a:endParaRPr lang="en-US" dirty="0"/>
+          </a:p>
+        </p:txBody>
+      </p:sp>
+      <p:sp>
+        <p:nvSpPr>
+          <p:cNvPr id="4" name="Slide Number Placeholder 3"/>
+          <p:cNvSpPr>
+            <a:spLocks noGrp="1"/>
+          </p:cNvSpPr>
+          <p:nvPr>
+            <p:ph type="sldNum" sz="quarter" idx="10"/>
+          </p:nvPr>
+        </p:nvSpPr>
+        <p:spPr/>
+        <p:txBody>
+          <a:bodyPr/>
+          <a:lstStyle/>
+          <a:p>
+            <a:fld id="{D5D79418-37EB-4378-AD22-89DBB000B0DA}" type="slidenum">
+              <a:rPr lang="en-US" smtClean="0"/>
+              <a:t>10</a:t>
+            </a:fld>
+            <a:endParaRPr lang="en-US" dirty="0"/>
+          </a:p>
+        </p:txBody>
+      </p:sp>
+    </p:spTree>
+    <p:extLst>
+      <p:ext uri="{BB962C8B-B14F-4D97-AF65-F5344CB8AC3E}">
+        <p14:creationId xmlns:p14="http://schemas.microsoft.com/office/powerpoint/2010/main" val="2631851712"/>
       </p:ext>
     </p:extLst>
   </p:cSld>
@@ -14472,6 +14786,285 @@
 </p:sld>
 </file>
 
+<file path=ppt/slides/slide10.xml><?xml version="1.0" encoding="utf-8"?>
+<p:sld xmlns:a="http://schemas.openxmlformats.org/drawingml/2006/main" xmlns:r="http://schemas.openxmlformats.org/officeDocument/2006/relationships" xmlns:p="http://schemas.openxmlformats.org/presentationml/2006/main" showMasterSp="0">
+  <p:cSld>
+    <p:bg>
+      <p:bgPr>
+        <a:gradFill rotWithShape="1">
+          <a:gsLst>
+            <a:gs pos="0">
+              <a:srgbClr val="8D0000"/>
+            </a:gs>
+            <a:gs pos="50000">
+              <a:schemeClr val="bg2">
+                <a:shade val="100000"/>
+                <a:hueMod val="100000"/>
+                <a:satMod val="110000"/>
+                <a:lumMod val="130000"/>
+              </a:schemeClr>
+            </a:gs>
+            <a:gs pos="100000">
+              <a:schemeClr val="bg2">
+                <a:shade val="78000"/>
+                <a:hueMod val="44000"/>
+                <a:satMod val="200000"/>
+                <a:lumMod val="69000"/>
+              </a:schemeClr>
+            </a:gs>
+          </a:gsLst>
+          <a:lin ang="2520000" scaled="0"/>
+        </a:gradFill>
+        <a:effectLst/>
+      </p:bgPr>
+    </p:bg>
+    <p:spTree>
+      <p:nvGrpSpPr>
+        <p:cNvPr id="1" name=""/>
+        <p:cNvGrpSpPr/>
+        <p:nvPr/>
+      </p:nvGrpSpPr>
+      <p:grpSpPr>
+        <a:xfrm>
+          <a:off x="0" y="0"/>
+          <a:ext cx="0" cy="0"/>
+          <a:chOff x="0" y="0"/>
+          <a:chExt cx="0" cy="0"/>
+        </a:xfrm>
+      </p:grpSpPr>
+      <p:sp>
+        <p:nvSpPr>
+          <p:cNvPr id="2" name="Title 1">
+            <a:extLst>
+              <a:ext uri="{FF2B5EF4-FFF2-40B4-BE49-F238E27FC236}">
+                <a16:creationId xmlns:a16="http://schemas.microsoft.com/office/drawing/2014/main" id="{09B7EFDD-2D42-4685-9A88-B025DB10B768}"/>
+              </a:ext>
+            </a:extLst>
+          </p:cNvPr>
+          <p:cNvSpPr>
+            <a:spLocks noGrp="1"/>
+          </p:cNvSpPr>
+          <p:nvPr>
+            <p:ph type="title"/>
+          </p:nvPr>
+        </p:nvSpPr>
+        <p:spPr/>
+        <p:txBody>
+          <a:bodyPr/>
+          <a:lstStyle/>
+          <a:p>
+            <a:r>
+              <a:rPr lang="en-US" dirty="0"/>
+              <a:t>Installation</a:t>
+            </a:r>
+            <a:endParaRPr lang="en-IN" dirty="0"/>
+          </a:p>
+        </p:txBody>
+      </p:sp>
+      <p:sp>
+        <p:nvSpPr>
+          <p:cNvPr id="4" name="Rectangle 3">
+            <a:extLst>
+              <a:ext uri="{FF2B5EF4-FFF2-40B4-BE49-F238E27FC236}">
+                <a16:creationId xmlns:a16="http://schemas.microsoft.com/office/drawing/2014/main" id="{D96888DF-207E-42BC-A849-FF2C68C3F599}"/>
+              </a:ext>
+            </a:extLst>
+          </p:cNvPr>
+          <p:cNvSpPr/>
+          <p:nvPr/>
+        </p:nvSpPr>
+        <p:spPr>
+          <a:xfrm>
+            <a:off x="680320" y="2147841"/>
+            <a:ext cx="11295370" cy="4493538"/>
+          </a:xfrm>
+          <a:prstGeom prst="rect">
+            <a:avLst/>
+          </a:prstGeom>
+        </p:spPr>
+        <p:txBody>
+          <a:bodyPr wrap="square">
+            <a:spAutoFit/>
+          </a:bodyPr>
+          <a:lstStyle/>
+          <a:p>
+            <a:r>
+              <a:rPr lang="en-IN" sz="2200" dirty="0"/>
+              <a:t>Three steps</a:t>
+            </a:r>
+            <a:br>
+              <a:rPr lang="en-IN" sz="2200" dirty="0"/>
+            </a:br>
+            <a:br>
+              <a:rPr lang="en-IN" sz="2200" dirty="0"/>
+            </a:br>
+            <a:r>
+              <a:rPr lang="en-IN" sz="2200" dirty="0"/>
+              <a:t>- Use property </a:t>
+            </a:r>
+            <a:r>
+              <a:rPr lang="en-IN" sz="2200" dirty="0" err="1"/>
+              <a:t>canActivate</a:t>
+            </a:r>
+            <a:r>
+              <a:rPr lang="en-IN" sz="2200" dirty="0"/>
+              <a:t> in the route array  </a:t>
+            </a:r>
+            <a:br>
+              <a:rPr lang="en-IN" sz="2200" dirty="0"/>
+            </a:br>
+            <a:r>
+              <a:rPr lang="en-IN" sz="2200" dirty="0" err="1"/>
+              <a:t>canActivate</a:t>
+            </a:r>
+            <a:r>
+              <a:rPr lang="en-IN" sz="2200" dirty="0"/>
+              <a:t>:[guard class name]</a:t>
+            </a:r>
+            <a:br>
+              <a:rPr lang="en-IN" sz="2200" dirty="0"/>
+            </a:br>
+            <a:endParaRPr lang="en-IN" sz="2200" dirty="0"/>
+          </a:p>
+          <a:p>
+            <a:br>
+              <a:rPr lang="en-IN" sz="2200" dirty="0"/>
+            </a:br>
+            <a:r>
+              <a:rPr lang="en-IN" sz="2200" dirty="0"/>
+              <a:t>- Create one authentication guard file</a:t>
+            </a:r>
+            <a:br>
+              <a:rPr lang="en-IN" sz="2200" dirty="0"/>
+            </a:br>
+            <a:r>
+              <a:rPr lang="en-IN" sz="2200" dirty="0"/>
+              <a:t>ng g guard &lt;guard name&gt; </a:t>
+            </a:r>
+          </a:p>
+          <a:p>
+            <a:endParaRPr lang="en-IN" sz="2200" dirty="0"/>
+          </a:p>
+          <a:p>
+            <a:r>
+              <a:rPr lang="en-IN" sz="2200" dirty="0"/>
+              <a:t>- Return true/false from the route guard.</a:t>
+            </a:r>
+          </a:p>
+          <a:p>
+            <a:r>
+              <a:rPr lang="en-IN" sz="2200" dirty="0" err="1"/>
+              <a:t>canActivate</a:t>
+            </a:r>
+            <a:r>
+              <a:rPr lang="en-IN" sz="2200" dirty="0"/>
+              <a:t>(): </a:t>
+            </a:r>
+            <a:r>
+              <a:rPr lang="en-IN" sz="2200" dirty="0" err="1"/>
+              <a:t>boolean</a:t>
+            </a:r>
+            <a:r>
+              <a:rPr lang="en-IN" sz="2200" dirty="0"/>
+              <a:t> {</a:t>
+            </a:r>
+          </a:p>
+          <a:p>
+            <a:r>
+              <a:rPr lang="en-IN" sz="2200" dirty="0"/>
+              <a:t>    return false;</a:t>
+            </a:r>
+          </a:p>
+          <a:p>
+            <a:r>
+              <a:rPr lang="en-IN" sz="2200" dirty="0"/>
+              <a:t>}</a:t>
+            </a:r>
+          </a:p>
+        </p:txBody>
+      </p:sp>
+      <p:pic>
+        <p:nvPicPr>
+          <p:cNvPr id="7" name="Picture 6">
+            <a:extLst>
+              <a:ext uri="{FF2B5EF4-FFF2-40B4-BE49-F238E27FC236}">
+                <a16:creationId xmlns:a16="http://schemas.microsoft.com/office/drawing/2014/main" id="{210222E0-5675-4A0B-BB37-E1B48DABD5C2}"/>
+              </a:ext>
+            </a:extLst>
+          </p:cNvPr>
+          <p:cNvPicPr>
+            <a:picLocks noChangeAspect="1"/>
+          </p:cNvPicPr>
+          <p:nvPr/>
+        </p:nvPicPr>
+        <p:blipFill rotWithShape="1">
+          <a:blip r:embed="rId3"/>
+          <a:srcRect t="8932" b="71910"/>
+          <a:stretch/>
+        </p:blipFill>
+        <p:spPr>
+          <a:xfrm>
+            <a:off x="0" y="412365"/>
+            <a:ext cx="12192000" cy="1313896"/>
+          </a:xfrm>
+          <a:prstGeom prst="rect">
+            <a:avLst/>
+          </a:prstGeom>
+        </p:spPr>
+      </p:pic>
+      <p:sp>
+        <p:nvSpPr>
+          <p:cNvPr id="12" name="TextBox 11">
+            <a:extLst>
+              <a:ext uri="{FF2B5EF4-FFF2-40B4-BE49-F238E27FC236}">
+                <a16:creationId xmlns:a16="http://schemas.microsoft.com/office/drawing/2014/main" id="{8742A6E7-0E95-40B7-8866-B9FA0D44FC0F}"/>
+              </a:ext>
+            </a:extLst>
+          </p:cNvPr>
+          <p:cNvSpPr txBox="1"/>
+          <p:nvPr/>
+        </p:nvSpPr>
+        <p:spPr>
+          <a:xfrm>
+            <a:off x="596762" y="715370"/>
+            <a:ext cx="8362765" cy="707886"/>
+          </a:xfrm>
+          <a:prstGeom prst="rect">
+            <a:avLst/>
+          </a:prstGeom>
+          <a:noFill/>
+        </p:spPr>
+        <p:txBody>
+          <a:bodyPr wrap="square" rtlCol="0">
+            <a:spAutoFit/>
+          </a:bodyPr>
+          <a:lstStyle/>
+          <a:p>
+            <a:r>
+              <a:rPr lang="en-US" sz="4000" b="1" dirty="0"/>
+              <a:t>Use of </a:t>
+            </a:r>
+            <a:r>
+              <a:rPr lang="en-US" sz="4000" b="1" dirty="0" err="1"/>
+              <a:t>canActivate</a:t>
+            </a:r>
+            <a:endParaRPr lang="en-IN" sz="4000" b="1" dirty="0"/>
+          </a:p>
+        </p:txBody>
+      </p:sp>
+    </p:spTree>
+    <p:extLst>
+      <p:ext uri="{BB962C8B-B14F-4D97-AF65-F5344CB8AC3E}">
+        <p14:creationId xmlns:p14="http://schemas.microsoft.com/office/powerpoint/2010/main" val="1510487410"/>
+      </p:ext>
+    </p:extLst>
+  </p:cSld>
+  <p:clrMapOvr>
+    <a:masterClrMapping/>
+  </p:clrMapOvr>
+</p:sld>
+</file>
+
 <file path=ppt/slides/slide2.xml><?xml version="1.0" encoding="utf-8"?>
 <p:sld xmlns:a="http://schemas.openxmlformats.org/drawingml/2006/main" xmlns:r="http://schemas.openxmlformats.org/officeDocument/2006/relationships" xmlns:p="http://schemas.openxmlformats.org/presentationml/2006/main" showMasterSp="0">
   <p:cSld>
@@ -16438,15 +17031,11 @@
               <a:rPr lang="en-US" sz="2200" dirty="0"/>
             </a:br>
             <a:br>
-              <a:rPr lang="en-US" sz="2200"/>
+              <a:rPr lang="en-US" sz="2200" dirty="0"/>
             </a:br>
             <a:r>
-              <a:rPr lang="en-US" sz="2200"/>
-              <a:t>If </a:t>
-            </a:r>
-            <a:r>
               <a:rPr lang="en-US" sz="2200" dirty="0"/>
-              <a:t>initialization not happened </a:t>
+              <a:t>If initialization not happened </a:t>
             </a:r>
             <a:r>
               <a:rPr lang="en-US" sz="2200" dirty="0" err="1"/>
@@ -16639,6 +17228,330 @@
     <p:extLst>
       <p:ext uri="{BB962C8B-B14F-4D97-AF65-F5344CB8AC3E}">
         <p14:creationId xmlns:p14="http://schemas.microsoft.com/office/powerpoint/2010/main" val="1076415291"/>
+      </p:ext>
+    </p:extLst>
+  </p:cSld>
+  <p:clrMapOvr>
+    <a:masterClrMapping/>
+  </p:clrMapOvr>
+</p:sld>
+</file>
+
+<file path=ppt/slides/slide9.xml><?xml version="1.0" encoding="utf-8"?>
+<p:sld xmlns:a="http://schemas.openxmlformats.org/drawingml/2006/main" xmlns:r="http://schemas.openxmlformats.org/officeDocument/2006/relationships" xmlns:p="http://schemas.openxmlformats.org/presentationml/2006/main" showMasterSp="0">
+  <p:cSld>
+    <p:bg>
+      <p:bgPr>
+        <a:gradFill rotWithShape="1">
+          <a:gsLst>
+            <a:gs pos="0">
+              <a:srgbClr val="8D0000"/>
+            </a:gs>
+            <a:gs pos="50000">
+              <a:schemeClr val="bg2">
+                <a:shade val="100000"/>
+                <a:hueMod val="100000"/>
+                <a:satMod val="110000"/>
+                <a:lumMod val="130000"/>
+              </a:schemeClr>
+            </a:gs>
+            <a:gs pos="100000">
+              <a:schemeClr val="bg2">
+                <a:shade val="78000"/>
+                <a:hueMod val="44000"/>
+                <a:satMod val="200000"/>
+                <a:lumMod val="69000"/>
+              </a:schemeClr>
+            </a:gs>
+          </a:gsLst>
+          <a:lin ang="2520000" scaled="0"/>
+        </a:gradFill>
+        <a:effectLst/>
+      </p:bgPr>
+    </p:bg>
+    <p:spTree>
+      <p:nvGrpSpPr>
+        <p:cNvPr id="1" name=""/>
+        <p:cNvGrpSpPr/>
+        <p:nvPr/>
+      </p:nvGrpSpPr>
+      <p:grpSpPr>
+        <a:xfrm>
+          <a:off x="0" y="0"/>
+          <a:ext cx="0" cy="0"/>
+          <a:chOff x="0" y="0"/>
+          <a:chExt cx="0" cy="0"/>
+        </a:xfrm>
+      </p:grpSpPr>
+      <p:sp>
+        <p:nvSpPr>
+          <p:cNvPr id="2" name="Title 1">
+            <a:extLst>
+              <a:ext uri="{FF2B5EF4-FFF2-40B4-BE49-F238E27FC236}">
+                <a16:creationId xmlns:a16="http://schemas.microsoft.com/office/drawing/2014/main" id="{09B7EFDD-2D42-4685-9A88-B025DB10B768}"/>
+              </a:ext>
+            </a:extLst>
+          </p:cNvPr>
+          <p:cNvSpPr>
+            <a:spLocks noGrp="1"/>
+          </p:cNvSpPr>
+          <p:nvPr>
+            <p:ph type="title"/>
+          </p:nvPr>
+        </p:nvSpPr>
+        <p:spPr/>
+        <p:txBody>
+          <a:bodyPr/>
+          <a:lstStyle/>
+          <a:p>
+            <a:r>
+              <a:rPr lang="en-US" dirty="0"/>
+              <a:t>Installation</a:t>
+            </a:r>
+            <a:endParaRPr lang="en-IN" dirty="0"/>
+          </a:p>
+        </p:txBody>
+      </p:sp>
+      <p:sp>
+        <p:nvSpPr>
+          <p:cNvPr id="4" name="Rectangle 3">
+            <a:extLst>
+              <a:ext uri="{FF2B5EF4-FFF2-40B4-BE49-F238E27FC236}">
+                <a16:creationId xmlns:a16="http://schemas.microsoft.com/office/drawing/2014/main" id="{D96888DF-207E-42BC-A849-FF2C68C3F599}"/>
+              </a:ext>
+            </a:extLst>
+          </p:cNvPr>
+          <p:cNvSpPr/>
+          <p:nvPr/>
+        </p:nvSpPr>
+        <p:spPr>
+          <a:xfrm>
+            <a:off x="680320" y="2147841"/>
+            <a:ext cx="11295370" cy="4031873"/>
+          </a:xfrm>
+          <a:prstGeom prst="rect">
+            <a:avLst/>
+          </a:prstGeom>
+        </p:spPr>
+        <p:txBody>
+          <a:bodyPr wrap="square">
+            <a:spAutoFit/>
+          </a:bodyPr>
+          <a:lstStyle/>
+          <a:p>
+            <a:r>
+              <a:rPr lang="en-US" sz="2200" dirty="0"/>
+              <a:t>Example:</a:t>
+            </a:r>
+            <a:br>
+              <a:rPr lang="en-US" sz="2200" dirty="0"/>
+            </a:br>
+            <a:r>
+              <a:rPr lang="en-US" sz="2200" dirty="0" err="1"/>
+              <a:t>this.router.navigate</a:t>
+            </a:r>
+            <a:r>
+              <a:rPr lang="en-US" sz="2200" dirty="0"/>
+              <a:t>([id],{</a:t>
+            </a:r>
+            <a:r>
+              <a:rPr lang="en-US" sz="2200" dirty="0" err="1"/>
+              <a:t>relativeTo</a:t>
+            </a:r>
+            <a:r>
+              <a:rPr lang="en-US" sz="2200" dirty="0"/>
+              <a:t>: </a:t>
+            </a:r>
+            <a:r>
+              <a:rPr lang="en-US" sz="2200" dirty="0" err="1"/>
+              <a:t>this.activatedRoute</a:t>
+            </a:r>
+            <a:r>
+              <a:rPr lang="en-US" sz="2200" dirty="0"/>
+              <a:t>});</a:t>
+            </a:r>
+            <a:br>
+              <a:rPr lang="en-US" sz="2200" dirty="0"/>
+            </a:br>
+            <a:endParaRPr lang="en-US" sz="2200" dirty="0"/>
+          </a:p>
+          <a:p>
+            <a:r>
+              <a:rPr lang="en-IN" sz="2200" dirty="0" err="1"/>
+              <a:t>this.router.navigate</a:t>
+            </a:r>
+            <a:r>
+              <a:rPr lang="en-IN" sz="2200" dirty="0"/>
+              <a:t>(['../', </a:t>
+            </a:r>
+            <a:r>
+              <a:rPr lang="en-IN" sz="2200" dirty="0" err="1"/>
+              <a:t>this.employeeid</a:t>
+            </a:r>
+            <a:r>
+              <a:rPr lang="en-IN" sz="2200" dirty="0"/>
+              <a:t> - 1],{</a:t>
+            </a:r>
+            <a:r>
+              <a:rPr lang="en-IN" sz="2200" dirty="0" err="1"/>
+              <a:t>relativeTo</a:t>
+            </a:r>
+            <a:r>
+              <a:rPr lang="en-IN" sz="2200" dirty="0"/>
+              <a:t>: </a:t>
+            </a:r>
+            <a:r>
+              <a:rPr lang="en-IN" sz="2200" dirty="0" err="1"/>
+              <a:t>this.activatedroute</a:t>
+            </a:r>
+            <a:r>
+              <a:rPr lang="en-IN" sz="2200" dirty="0"/>
+              <a:t>});</a:t>
+            </a:r>
+            <a:br>
+              <a:rPr lang="en-IN" sz="2200" dirty="0"/>
+            </a:br>
+            <a:endParaRPr lang="en-IN" sz="2200" dirty="0"/>
+          </a:p>
+          <a:p>
+            <a:br>
+              <a:rPr lang="en-IN" sz="2200" dirty="0"/>
+            </a:br>
+            <a:r>
+              <a:rPr lang="en-IN" sz="3600" b="1" dirty="0"/>
+              <a:t>Child Route</a:t>
+            </a:r>
+          </a:p>
+          <a:p>
+            <a:r>
+              <a:rPr lang="en-IN" sz="2200" dirty="0"/>
+              <a:t>{ path:'</a:t>
+            </a:r>
+            <a:r>
+              <a:rPr lang="en-IN" sz="2200" dirty="0" err="1"/>
+              <a:t>employeedetails</a:t>
+            </a:r>
+            <a:r>
+              <a:rPr lang="en-IN" sz="2200" dirty="0"/>
+              <a:t>', component: </a:t>
+            </a:r>
+            <a:r>
+              <a:rPr lang="en-IN" sz="2200" dirty="0" err="1"/>
+              <a:t>EmployeeDetailsUsingHttpComponent</a:t>
+            </a:r>
+            <a:r>
+              <a:rPr lang="en-IN" sz="2200" dirty="0"/>
+              <a:t>,    </a:t>
+            </a:r>
+            <a:br>
+              <a:rPr lang="en-IN" sz="2200" dirty="0"/>
+            </a:br>
+            <a:r>
+              <a:rPr lang="en-IN" sz="2200" dirty="0"/>
+              <a:t>children: [ { path: '</a:t>
+            </a:r>
+            <a:r>
+              <a:rPr lang="en-IN" sz="2200" dirty="0" err="1"/>
+              <a:t>aboutemployee</a:t>
+            </a:r>
+            <a:r>
+              <a:rPr lang="en-IN" sz="2200" dirty="0"/>
+              <a:t>', component: </a:t>
+            </a:r>
+            <a:r>
+              <a:rPr lang="en-IN" sz="2200" dirty="0" err="1"/>
+              <a:t>AboutUsComponent</a:t>
+            </a:r>
+            <a:r>
+              <a:rPr lang="en-IN" sz="2200" dirty="0"/>
+              <a:t>}    ]  },</a:t>
+            </a:r>
+            <a:br>
+              <a:rPr lang="en-IN" sz="2200" dirty="0"/>
+            </a:br>
+            <a:r>
+              <a:rPr lang="en-IN" sz="2200" dirty="0"/>
+              <a:t>In the parent component HTML file:</a:t>
+            </a:r>
+            <a:br>
+              <a:rPr lang="en-IN" sz="2200" dirty="0"/>
+            </a:br>
+            <a:r>
+              <a:rPr lang="en-IN" sz="2200" dirty="0"/>
+              <a:t>&lt;router-outlet&gt;&lt;/router-outlet&gt;</a:t>
+            </a:r>
+          </a:p>
+        </p:txBody>
+      </p:sp>
+      <p:pic>
+        <p:nvPicPr>
+          <p:cNvPr id="7" name="Picture 6">
+            <a:extLst>
+              <a:ext uri="{FF2B5EF4-FFF2-40B4-BE49-F238E27FC236}">
+                <a16:creationId xmlns:a16="http://schemas.microsoft.com/office/drawing/2014/main" id="{210222E0-5675-4A0B-BB37-E1B48DABD5C2}"/>
+              </a:ext>
+            </a:extLst>
+          </p:cNvPr>
+          <p:cNvPicPr>
+            <a:picLocks noChangeAspect="1"/>
+          </p:cNvPicPr>
+          <p:nvPr/>
+        </p:nvPicPr>
+        <p:blipFill rotWithShape="1">
+          <a:blip r:embed="rId3"/>
+          <a:srcRect t="8932" b="71910"/>
+          <a:stretch/>
+        </p:blipFill>
+        <p:spPr>
+          <a:xfrm>
+            <a:off x="0" y="412365"/>
+            <a:ext cx="12192000" cy="1313896"/>
+          </a:xfrm>
+          <a:prstGeom prst="rect">
+            <a:avLst/>
+          </a:prstGeom>
+        </p:spPr>
+      </p:pic>
+      <p:sp>
+        <p:nvSpPr>
+          <p:cNvPr id="12" name="TextBox 11">
+            <a:extLst>
+              <a:ext uri="{FF2B5EF4-FFF2-40B4-BE49-F238E27FC236}">
+                <a16:creationId xmlns:a16="http://schemas.microsoft.com/office/drawing/2014/main" id="{8742A6E7-0E95-40B7-8866-B9FA0D44FC0F}"/>
+              </a:ext>
+            </a:extLst>
+          </p:cNvPr>
+          <p:cNvSpPr txBox="1"/>
+          <p:nvPr/>
+        </p:nvSpPr>
+        <p:spPr>
+          <a:xfrm>
+            <a:off x="596762" y="715370"/>
+            <a:ext cx="8362765" cy="707886"/>
+          </a:xfrm>
+          <a:prstGeom prst="rect">
+            <a:avLst/>
+          </a:prstGeom>
+          <a:noFill/>
+        </p:spPr>
+        <p:txBody>
+          <a:bodyPr wrap="square" rtlCol="0">
+            <a:spAutoFit/>
+          </a:bodyPr>
+          <a:lstStyle/>
+          <a:p>
+            <a:r>
+              <a:rPr lang="en-US" sz="4000" b="1" dirty="0" err="1"/>
+              <a:t>relativeTo</a:t>
+            </a:r>
+            <a:endParaRPr lang="en-IN" sz="4000" b="1" dirty="0"/>
+          </a:p>
+        </p:txBody>
+      </p:sp>
+    </p:spTree>
+    <p:extLst>
+      <p:ext uri="{BB962C8B-B14F-4D97-AF65-F5344CB8AC3E}">
+        <p14:creationId xmlns:p14="http://schemas.microsoft.com/office/powerpoint/2010/main" val="889907783"/>
       </p:ext>
     </p:extLst>
   </p:cSld>
@@ -17469,20 +18382,20 @@
 </file>
 
 <file path=customXml/item1.xml><?xml version="1.0" encoding="utf-8"?>
-<p:properties xmlns:p="http://schemas.microsoft.com/office/2006/metadata/properties" xmlns:xsi="http://www.w3.org/2001/XMLSchema-instance" xmlns:pc="http://schemas.microsoft.com/office/infopath/2007/PartnerControls">
-  <documentManagement>
-    <MediaServiceKeyPoints xmlns="71af3243-3dd4-4a8d-8c0d-dd76da1f02a5" xsi:nil="true"/>
-  </documentManagement>
-</p:properties>
-</file>
-
-<file path=customXml/item2.xml><?xml version="1.0" encoding="utf-8"?>
 <?mso-contentType ?>
 <FormTemplates xmlns="http://schemas.microsoft.com/sharepoint/v3/contenttype/forms">
   <Display>DocumentLibraryForm</Display>
   <Edit>DocumentLibraryForm</Edit>
   <New>DocumentLibraryForm</New>
 </FormTemplates>
+</file>
+
+<file path=customXml/item2.xml><?xml version="1.0" encoding="utf-8"?>
+<p:properties xmlns:p="http://schemas.microsoft.com/office/2006/metadata/properties" xmlns:xsi="http://www.w3.org/2001/XMLSchema-instance" xmlns:pc="http://schemas.microsoft.com/office/infopath/2007/PartnerControls">
+  <documentManagement>
+    <MediaServiceKeyPoints xmlns="71af3243-3dd4-4a8d-8c0d-dd76da1f02a5" xsi:nil="true"/>
+  </documentManagement>
+</p:properties>
 </file>
 
 <file path=customXml/item3.xml><?xml version="1.0" encoding="utf-8"?>
@@ -17697,19 +18610,19 @@
 </file>
 
 <file path=customXml/itemProps1.xml><?xml version="1.0" encoding="utf-8"?>
+<ds:datastoreItem xmlns:ds="http://schemas.openxmlformats.org/officeDocument/2006/customXml" ds:itemID="{B12AB9FA-5EE8-4111-B873-E09ACA2BC395}">
+  <ds:schemaRefs>
+    <ds:schemaRef ds:uri="http://schemas.microsoft.com/sharepoint/v3/contenttype/forms"/>
+  </ds:schemaRefs>
+</ds:datastoreItem>
+</file>
+
+<file path=customXml/itemProps2.xml><?xml version="1.0" encoding="utf-8"?>
 <ds:datastoreItem xmlns:ds="http://schemas.openxmlformats.org/officeDocument/2006/customXml" ds:itemID="{FCF1D2AC-2735-457E-B639-07E13F9A629B}">
   <ds:schemaRefs>
     <ds:schemaRef ds:uri="http://schemas.microsoft.com/office/2006/metadata/properties"/>
     <ds:schemaRef ds:uri="http://schemas.microsoft.com/office/infopath/2007/PartnerControls"/>
     <ds:schemaRef ds:uri="71af3243-3dd4-4a8d-8c0d-dd76da1f02a5"/>
-  </ds:schemaRefs>
-</ds:datastoreItem>
-</file>
-
-<file path=customXml/itemProps2.xml><?xml version="1.0" encoding="utf-8"?>
-<ds:datastoreItem xmlns:ds="http://schemas.openxmlformats.org/officeDocument/2006/customXml" ds:itemID="{B12AB9FA-5EE8-4111-B873-E09ACA2BC395}">
-  <ds:schemaRefs>
-    <ds:schemaRef ds:uri="http://schemas.microsoft.com/sharepoint/v3/contenttype/forms"/>
   </ds:schemaRefs>
 </ds:datastoreItem>
 </file>
